--- a/english/Give-Me-Oil-In-My-Lamp.pptx
+++ b/english/Give-Me-Oil-In-My-Lamp.pptx
@@ -2,10 +2,10 @@
 <file path=ppt/presentation.xml><?xml version="1.0" encoding="utf-8"?>
 <p:presentation xmlns:a="http://schemas.openxmlformats.org/drawingml/2006/main" xmlns:r="http://schemas.openxmlformats.org/officeDocument/2006/relationships" xmlns:p="http://schemas.openxmlformats.org/presentationml/2006/main" saveSubsetFonts="1">
   <p:sldMasterIdLst>
-    <p:sldMasterId id="2147483648" r:id="rId1"/>
+    <p:sldMasterId id="2147483660" r:id="rId1"/>
   </p:sldMasterIdLst>
   <p:notesMasterIdLst>
-    <p:notesMasterId r:id="rId15"/>
+    <p:notesMasterId r:id="rId16"/>
   </p:notesMasterIdLst>
   <p:sldIdLst>
     <p:sldId id="256" r:id="rId2"/>
@@ -21,6 +21,7 @@
     <p:sldId id="261" r:id="rId12"/>
     <p:sldId id="262" r:id="rId13"/>
     <p:sldId id="263" r:id="rId14"/>
+    <p:sldId id="269" r:id="rId15"/>
   </p:sldIdLst>
   <p:sldSz cx="9144000" cy="6858000" type="screen4x3"/>
   <p:notesSz cx="6858000" cy="9144000"/>
@@ -205,7 +206,7 @@
             <a:fld id="{65097232-779E-4BBF-8604-E0474EC59264}" type="datetimeFigureOut">
               <a:rPr lang="en-US" smtClean="0"/>
               <a:pPr/>
-              <a:t>5/7/2019</a:t>
+              <a:t>5/21/2019</a:t>
             </a:fld>
             <a:endParaRPr lang="en-US"/>
           </a:p>
@@ -719,7 +720,7 @@
 
 <file path=ppt/slideLayouts/slideLayout1.xml><?xml version="1.0" encoding="utf-8"?>
 <p:sldLayout xmlns:a="http://schemas.openxmlformats.org/drawingml/2006/main" xmlns:r="http://schemas.openxmlformats.org/officeDocument/2006/relationships" xmlns:p="http://schemas.openxmlformats.org/presentationml/2006/main" type="title" preserve="1">
-  <p:cSld name="Title Slide">
+  <p:cSld name="標題投影片">
     <p:spTree>
       <p:nvGrpSpPr>
         <p:cNvPr id="1" name=""/>
@@ -736,7 +737,7 @@
       </p:grpSpPr>
       <p:sp>
         <p:nvSpPr>
-          <p:cNvPr id="2" name="Title 1"/>
+          <p:cNvPr id="2" name="標題 1"/>
           <p:cNvSpPr>
             <a:spLocks noGrp="1"/>
           </p:cNvSpPr>
@@ -755,16 +756,16 @@
           <a:lstStyle/>
           <a:p>
             <a:r>
-              <a:rPr lang="en-US" smtClean="0"/>
-              <a:t>Click to edit Master title style</a:t>
-            </a:r>
-            <a:endParaRPr lang="en-US"/>
-          </a:p>
-        </p:txBody>
-      </p:sp>
-      <p:sp>
-        <p:nvSpPr>
-          <p:cNvPr id="3" name="Subtitle 2"/>
+              <a:rPr lang="zh-TW" altLang="en-US" smtClean="0"/>
+              <a:t>按一下以編輯母片標題樣式</a:t>
+            </a:r>
+            <a:endParaRPr lang="zh-TW" altLang="en-US"/>
+          </a:p>
+        </p:txBody>
+      </p:sp>
+      <p:sp>
+        <p:nvSpPr>
+          <p:cNvPr id="3" name="副標題 2"/>
           <p:cNvSpPr>
             <a:spLocks noGrp="1"/>
           </p:cNvSpPr>
@@ -874,16 +875,16 @@
           </a:lstStyle>
           <a:p>
             <a:r>
-              <a:rPr lang="en-US" smtClean="0"/>
-              <a:t>Click to edit Master subtitle style</a:t>
-            </a:r>
-            <a:endParaRPr lang="en-US"/>
-          </a:p>
-        </p:txBody>
-      </p:sp>
-      <p:sp>
-        <p:nvSpPr>
-          <p:cNvPr id="4" name="Date Placeholder 3"/>
+              <a:rPr lang="zh-TW" altLang="en-US" smtClean="0"/>
+              <a:t>按一下以編輯母片副標題樣式</a:t>
+            </a:r>
+            <a:endParaRPr lang="zh-TW" altLang="en-US"/>
+          </a:p>
+        </p:txBody>
+      </p:sp>
+      <p:sp>
+        <p:nvSpPr>
+          <p:cNvPr id="4" name="日期版面配置區 3"/>
           <p:cNvSpPr>
             <a:spLocks noGrp="1"/>
           </p:cNvSpPr>
@@ -899,7 +900,7 @@
             <a:fld id="{5FF28CCE-131F-4981-9FFD-242E59E818BE}" type="datetimeFigureOut">
               <a:rPr lang="en-US" smtClean="0"/>
               <a:pPr/>
-              <a:t>5/7/2019</a:t>
+              <a:t>5/21/2019</a:t>
             </a:fld>
             <a:endParaRPr lang="en-US"/>
           </a:p>
@@ -907,7 +908,7 @@
       </p:sp>
       <p:sp>
         <p:nvSpPr>
-          <p:cNvPr id="5" name="Footer Placeholder 4"/>
+          <p:cNvPr id="5" name="頁尾版面配置區 4"/>
           <p:cNvSpPr>
             <a:spLocks noGrp="1"/>
           </p:cNvSpPr>
@@ -926,7 +927,7 @@
       </p:sp>
       <p:sp>
         <p:nvSpPr>
-          <p:cNvPr id="6" name="Slide Number Placeholder 5"/>
+          <p:cNvPr id="6" name="投影片編號版面配置區 5"/>
           <p:cNvSpPr>
             <a:spLocks noGrp="1"/>
           </p:cNvSpPr>
@@ -958,7 +959,7 @@
 
 <file path=ppt/slideLayouts/slideLayout10.xml><?xml version="1.0" encoding="utf-8"?>
 <p:sldLayout xmlns:a="http://schemas.openxmlformats.org/drawingml/2006/main" xmlns:r="http://schemas.openxmlformats.org/officeDocument/2006/relationships" xmlns:p="http://schemas.openxmlformats.org/presentationml/2006/main" type="vertTx" preserve="1">
-  <p:cSld name="Title and Vertical Text">
+  <p:cSld name="標題及直排文字">
     <p:spTree>
       <p:nvGrpSpPr>
         <p:cNvPr id="1" name=""/>
@@ -975,7 +976,7 @@
       </p:grpSpPr>
       <p:sp>
         <p:nvSpPr>
-          <p:cNvPr id="2" name="Title 1"/>
+          <p:cNvPr id="2" name="標題 1"/>
           <p:cNvSpPr>
             <a:spLocks noGrp="1"/>
           </p:cNvSpPr>
@@ -989,16 +990,16 @@
           <a:lstStyle/>
           <a:p>
             <a:r>
-              <a:rPr lang="en-US" smtClean="0"/>
-              <a:t>Click to edit Master title style</a:t>
-            </a:r>
-            <a:endParaRPr lang="en-US"/>
-          </a:p>
-        </p:txBody>
-      </p:sp>
-      <p:sp>
-        <p:nvSpPr>
-          <p:cNvPr id="3" name="Vertical Text Placeholder 2"/>
+              <a:rPr lang="zh-TW" altLang="en-US" smtClean="0"/>
+              <a:t>按一下以編輯母片標題樣式</a:t>
+            </a:r>
+            <a:endParaRPr lang="zh-TW" altLang="en-US"/>
+          </a:p>
+        </p:txBody>
+      </p:sp>
+      <p:sp>
+        <p:nvSpPr>
+          <p:cNvPr id="3" name="直排文字版面配置區 2"/>
           <p:cNvSpPr>
             <a:spLocks noGrp="1"/>
           </p:cNvSpPr>
@@ -1013,44 +1014,44 @@
           <a:p>
             <a:pPr lvl="0"/>
             <a:r>
-              <a:rPr lang="en-US" smtClean="0"/>
-              <a:t>Click to edit Master text styles</a:t>
+              <a:rPr lang="zh-TW" altLang="en-US" smtClean="0"/>
+              <a:t>按一下以編輯母片文字樣式</a:t>
             </a:r>
           </a:p>
           <a:p>
             <a:pPr lvl="1"/>
             <a:r>
-              <a:rPr lang="en-US" smtClean="0"/>
-              <a:t>Second level</a:t>
+              <a:rPr lang="zh-TW" altLang="en-US" smtClean="0"/>
+              <a:t>第二層</a:t>
             </a:r>
           </a:p>
           <a:p>
             <a:pPr lvl="2"/>
             <a:r>
-              <a:rPr lang="en-US" smtClean="0"/>
-              <a:t>Third level</a:t>
+              <a:rPr lang="zh-TW" altLang="en-US" smtClean="0"/>
+              <a:t>第三層</a:t>
             </a:r>
           </a:p>
           <a:p>
             <a:pPr lvl="3"/>
             <a:r>
-              <a:rPr lang="en-US" smtClean="0"/>
-              <a:t>Fourth level</a:t>
+              <a:rPr lang="zh-TW" altLang="en-US" smtClean="0"/>
+              <a:t>第四層</a:t>
             </a:r>
           </a:p>
           <a:p>
             <a:pPr lvl="4"/>
             <a:r>
-              <a:rPr lang="en-US" smtClean="0"/>
-              <a:t>Fifth level</a:t>
-            </a:r>
-            <a:endParaRPr lang="en-US"/>
-          </a:p>
-        </p:txBody>
-      </p:sp>
-      <p:sp>
-        <p:nvSpPr>
-          <p:cNvPr id="4" name="Date Placeholder 3"/>
+              <a:rPr lang="zh-TW" altLang="en-US" smtClean="0"/>
+              <a:t>第五層</a:t>
+            </a:r>
+            <a:endParaRPr lang="zh-TW" altLang="en-US"/>
+          </a:p>
+        </p:txBody>
+      </p:sp>
+      <p:sp>
+        <p:nvSpPr>
+          <p:cNvPr id="4" name="日期版面配置區 3"/>
           <p:cNvSpPr>
             <a:spLocks noGrp="1"/>
           </p:cNvSpPr>
@@ -1066,7 +1067,7 @@
             <a:fld id="{5FF28CCE-131F-4981-9FFD-242E59E818BE}" type="datetimeFigureOut">
               <a:rPr lang="en-US" smtClean="0"/>
               <a:pPr/>
-              <a:t>5/7/2019</a:t>
+              <a:t>5/21/2019</a:t>
             </a:fld>
             <a:endParaRPr lang="en-US"/>
           </a:p>
@@ -1074,7 +1075,7 @@
       </p:sp>
       <p:sp>
         <p:nvSpPr>
-          <p:cNvPr id="5" name="Footer Placeholder 4"/>
+          <p:cNvPr id="5" name="頁尾版面配置區 4"/>
           <p:cNvSpPr>
             <a:spLocks noGrp="1"/>
           </p:cNvSpPr>
@@ -1093,7 +1094,7 @@
       </p:sp>
       <p:sp>
         <p:nvSpPr>
-          <p:cNvPr id="6" name="Slide Number Placeholder 5"/>
+          <p:cNvPr id="6" name="投影片編號版面配置區 5"/>
           <p:cNvSpPr>
             <a:spLocks noGrp="1"/>
           </p:cNvSpPr>
@@ -1125,7 +1126,7 @@
 
 <file path=ppt/slideLayouts/slideLayout11.xml><?xml version="1.0" encoding="utf-8"?>
 <p:sldLayout xmlns:a="http://schemas.openxmlformats.org/drawingml/2006/main" xmlns:r="http://schemas.openxmlformats.org/officeDocument/2006/relationships" xmlns:p="http://schemas.openxmlformats.org/presentationml/2006/main" type="vertTitleAndTx" preserve="1">
-  <p:cSld name="Vertical Title and Text">
+  <p:cSld name="直排標題及文字">
     <p:spTree>
       <p:nvGrpSpPr>
         <p:cNvPr id="1" name=""/>
@@ -1142,7 +1143,7 @@
       </p:grpSpPr>
       <p:sp>
         <p:nvSpPr>
-          <p:cNvPr id="2" name="Vertical Title 1"/>
+          <p:cNvPr id="2" name="直排標題 1"/>
           <p:cNvSpPr>
             <a:spLocks noGrp="1"/>
           </p:cNvSpPr>
@@ -1161,16 +1162,16 @@
           <a:lstStyle/>
           <a:p>
             <a:r>
-              <a:rPr lang="en-US" smtClean="0"/>
-              <a:t>Click to edit Master title style</a:t>
-            </a:r>
-            <a:endParaRPr lang="en-US"/>
-          </a:p>
-        </p:txBody>
-      </p:sp>
-      <p:sp>
-        <p:nvSpPr>
-          <p:cNvPr id="3" name="Vertical Text Placeholder 2"/>
+              <a:rPr lang="zh-TW" altLang="en-US" smtClean="0"/>
+              <a:t>按一下以編輯母片標題樣式</a:t>
+            </a:r>
+            <a:endParaRPr lang="zh-TW" altLang="en-US"/>
+          </a:p>
+        </p:txBody>
+      </p:sp>
+      <p:sp>
+        <p:nvSpPr>
+          <p:cNvPr id="3" name="直排文字版面配置區 2"/>
           <p:cNvSpPr>
             <a:spLocks noGrp="1"/>
           </p:cNvSpPr>
@@ -1190,44 +1191,44 @@
           <a:p>
             <a:pPr lvl="0"/>
             <a:r>
-              <a:rPr lang="en-US" smtClean="0"/>
-              <a:t>Click to edit Master text styles</a:t>
+              <a:rPr lang="zh-TW" altLang="en-US" smtClean="0"/>
+              <a:t>按一下以編輯母片文字樣式</a:t>
             </a:r>
           </a:p>
           <a:p>
             <a:pPr lvl="1"/>
             <a:r>
-              <a:rPr lang="en-US" smtClean="0"/>
-              <a:t>Second level</a:t>
+              <a:rPr lang="zh-TW" altLang="en-US" smtClean="0"/>
+              <a:t>第二層</a:t>
             </a:r>
           </a:p>
           <a:p>
             <a:pPr lvl="2"/>
             <a:r>
-              <a:rPr lang="en-US" smtClean="0"/>
-              <a:t>Third level</a:t>
+              <a:rPr lang="zh-TW" altLang="en-US" smtClean="0"/>
+              <a:t>第三層</a:t>
             </a:r>
           </a:p>
           <a:p>
             <a:pPr lvl="3"/>
             <a:r>
-              <a:rPr lang="en-US" smtClean="0"/>
-              <a:t>Fourth level</a:t>
+              <a:rPr lang="zh-TW" altLang="en-US" smtClean="0"/>
+              <a:t>第四層</a:t>
             </a:r>
           </a:p>
           <a:p>
             <a:pPr lvl="4"/>
             <a:r>
-              <a:rPr lang="en-US" smtClean="0"/>
-              <a:t>Fifth level</a:t>
-            </a:r>
-            <a:endParaRPr lang="en-US"/>
-          </a:p>
-        </p:txBody>
-      </p:sp>
-      <p:sp>
-        <p:nvSpPr>
-          <p:cNvPr id="4" name="Date Placeholder 3"/>
+              <a:rPr lang="zh-TW" altLang="en-US" smtClean="0"/>
+              <a:t>第五層</a:t>
+            </a:r>
+            <a:endParaRPr lang="zh-TW" altLang="en-US"/>
+          </a:p>
+        </p:txBody>
+      </p:sp>
+      <p:sp>
+        <p:nvSpPr>
+          <p:cNvPr id="4" name="日期版面配置區 3"/>
           <p:cNvSpPr>
             <a:spLocks noGrp="1"/>
           </p:cNvSpPr>
@@ -1243,7 +1244,7 @@
             <a:fld id="{5FF28CCE-131F-4981-9FFD-242E59E818BE}" type="datetimeFigureOut">
               <a:rPr lang="en-US" smtClean="0"/>
               <a:pPr/>
-              <a:t>5/7/2019</a:t>
+              <a:t>5/21/2019</a:t>
             </a:fld>
             <a:endParaRPr lang="en-US"/>
           </a:p>
@@ -1251,7 +1252,7 @@
       </p:sp>
       <p:sp>
         <p:nvSpPr>
-          <p:cNvPr id="5" name="Footer Placeholder 4"/>
+          <p:cNvPr id="5" name="頁尾版面配置區 4"/>
           <p:cNvSpPr>
             <a:spLocks noGrp="1"/>
           </p:cNvSpPr>
@@ -1270,7 +1271,7 @@
       </p:sp>
       <p:sp>
         <p:nvSpPr>
-          <p:cNvPr id="6" name="Slide Number Placeholder 5"/>
+          <p:cNvPr id="6" name="投影片編號版面配置區 5"/>
           <p:cNvSpPr>
             <a:spLocks noGrp="1"/>
           </p:cNvSpPr>
@@ -1302,7 +1303,7 @@
 
 <file path=ppt/slideLayouts/slideLayout2.xml><?xml version="1.0" encoding="utf-8"?>
 <p:sldLayout xmlns:a="http://schemas.openxmlformats.org/drawingml/2006/main" xmlns:r="http://schemas.openxmlformats.org/officeDocument/2006/relationships" xmlns:p="http://schemas.openxmlformats.org/presentationml/2006/main" type="obj" preserve="1">
-  <p:cSld name="Title and Content">
+  <p:cSld name="標題及物件">
     <p:spTree>
       <p:nvGrpSpPr>
         <p:cNvPr id="1" name=""/>
@@ -1319,7 +1320,7 @@
       </p:grpSpPr>
       <p:sp>
         <p:nvSpPr>
-          <p:cNvPr id="2" name="Title 1"/>
+          <p:cNvPr id="2" name="標題 1"/>
           <p:cNvSpPr>
             <a:spLocks noGrp="1"/>
           </p:cNvSpPr>
@@ -1333,16 +1334,16 @@
           <a:lstStyle/>
           <a:p>
             <a:r>
-              <a:rPr lang="en-US" smtClean="0"/>
-              <a:t>Click to edit Master title style</a:t>
-            </a:r>
-            <a:endParaRPr lang="en-US"/>
-          </a:p>
-        </p:txBody>
-      </p:sp>
-      <p:sp>
-        <p:nvSpPr>
-          <p:cNvPr id="3" name="Content Placeholder 2"/>
+              <a:rPr lang="zh-TW" altLang="en-US" smtClean="0"/>
+              <a:t>按一下以編輯母片標題樣式</a:t>
+            </a:r>
+            <a:endParaRPr lang="zh-TW" altLang="en-US"/>
+          </a:p>
+        </p:txBody>
+      </p:sp>
+      <p:sp>
+        <p:nvSpPr>
+          <p:cNvPr id="3" name="內容版面配置區 2"/>
           <p:cNvSpPr>
             <a:spLocks noGrp="1"/>
           </p:cNvSpPr>
@@ -1357,44 +1358,44 @@
           <a:p>
             <a:pPr lvl="0"/>
             <a:r>
-              <a:rPr lang="en-US" smtClean="0"/>
-              <a:t>Click to edit Master text styles</a:t>
+              <a:rPr lang="zh-TW" altLang="en-US" smtClean="0"/>
+              <a:t>按一下以編輯母片文字樣式</a:t>
             </a:r>
           </a:p>
           <a:p>
             <a:pPr lvl="1"/>
             <a:r>
-              <a:rPr lang="en-US" smtClean="0"/>
-              <a:t>Second level</a:t>
+              <a:rPr lang="zh-TW" altLang="en-US" smtClean="0"/>
+              <a:t>第二層</a:t>
             </a:r>
           </a:p>
           <a:p>
             <a:pPr lvl="2"/>
             <a:r>
-              <a:rPr lang="en-US" smtClean="0"/>
-              <a:t>Third level</a:t>
+              <a:rPr lang="zh-TW" altLang="en-US" smtClean="0"/>
+              <a:t>第三層</a:t>
             </a:r>
           </a:p>
           <a:p>
             <a:pPr lvl="3"/>
             <a:r>
-              <a:rPr lang="en-US" smtClean="0"/>
-              <a:t>Fourth level</a:t>
+              <a:rPr lang="zh-TW" altLang="en-US" smtClean="0"/>
+              <a:t>第四層</a:t>
             </a:r>
           </a:p>
           <a:p>
             <a:pPr lvl="4"/>
             <a:r>
-              <a:rPr lang="en-US" smtClean="0"/>
-              <a:t>Fifth level</a:t>
-            </a:r>
-            <a:endParaRPr lang="en-US"/>
-          </a:p>
-        </p:txBody>
-      </p:sp>
-      <p:sp>
-        <p:nvSpPr>
-          <p:cNvPr id="4" name="Date Placeholder 3"/>
+              <a:rPr lang="zh-TW" altLang="en-US" smtClean="0"/>
+              <a:t>第五層</a:t>
+            </a:r>
+            <a:endParaRPr lang="zh-TW" altLang="en-US"/>
+          </a:p>
+        </p:txBody>
+      </p:sp>
+      <p:sp>
+        <p:nvSpPr>
+          <p:cNvPr id="4" name="日期版面配置區 3"/>
           <p:cNvSpPr>
             <a:spLocks noGrp="1"/>
           </p:cNvSpPr>
@@ -1410,7 +1411,7 @@
             <a:fld id="{5FF28CCE-131F-4981-9FFD-242E59E818BE}" type="datetimeFigureOut">
               <a:rPr lang="en-US" smtClean="0"/>
               <a:pPr/>
-              <a:t>5/7/2019</a:t>
+              <a:t>5/21/2019</a:t>
             </a:fld>
             <a:endParaRPr lang="en-US"/>
           </a:p>
@@ -1418,7 +1419,7 @@
       </p:sp>
       <p:sp>
         <p:nvSpPr>
-          <p:cNvPr id="5" name="Footer Placeholder 4"/>
+          <p:cNvPr id="5" name="頁尾版面配置區 4"/>
           <p:cNvSpPr>
             <a:spLocks noGrp="1"/>
           </p:cNvSpPr>
@@ -1437,7 +1438,7 @@
       </p:sp>
       <p:sp>
         <p:nvSpPr>
-          <p:cNvPr id="6" name="Slide Number Placeholder 5"/>
+          <p:cNvPr id="6" name="投影片編號版面配置區 5"/>
           <p:cNvSpPr>
             <a:spLocks noGrp="1"/>
           </p:cNvSpPr>
@@ -1469,7 +1470,7 @@
 
 <file path=ppt/slideLayouts/slideLayout3.xml><?xml version="1.0" encoding="utf-8"?>
 <p:sldLayout xmlns:a="http://schemas.openxmlformats.org/drawingml/2006/main" xmlns:r="http://schemas.openxmlformats.org/officeDocument/2006/relationships" xmlns:p="http://schemas.openxmlformats.org/presentationml/2006/main" type="secHead" preserve="1">
-  <p:cSld name="Section Header">
+  <p:cSld name="區段標題">
     <p:spTree>
       <p:nvGrpSpPr>
         <p:cNvPr id="1" name=""/>
@@ -1486,7 +1487,7 @@
       </p:grpSpPr>
       <p:sp>
         <p:nvSpPr>
-          <p:cNvPr id="2" name="Title 1"/>
+          <p:cNvPr id="2" name="標題 1"/>
           <p:cNvSpPr>
             <a:spLocks noGrp="1"/>
           </p:cNvSpPr>
@@ -1509,16 +1510,16 @@
           </a:lstStyle>
           <a:p>
             <a:r>
-              <a:rPr lang="en-US" smtClean="0"/>
-              <a:t>Click to edit Master title style</a:t>
-            </a:r>
-            <a:endParaRPr lang="en-US"/>
-          </a:p>
-        </p:txBody>
-      </p:sp>
-      <p:sp>
-        <p:nvSpPr>
-          <p:cNvPr id="3" name="Text Placeholder 2"/>
+              <a:rPr lang="zh-TW" altLang="en-US" smtClean="0"/>
+              <a:t>按一下以編輯母片標題樣式</a:t>
+            </a:r>
+            <a:endParaRPr lang="zh-TW" altLang="en-US"/>
+          </a:p>
+        </p:txBody>
+      </p:sp>
+      <p:sp>
+        <p:nvSpPr>
+          <p:cNvPr id="3" name="文字版面配置區 2"/>
           <p:cNvSpPr>
             <a:spLocks noGrp="1"/>
           </p:cNvSpPr>
@@ -1629,15 +1630,15 @@
           <a:p>
             <a:pPr lvl="0"/>
             <a:r>
-              <a:rPr lang="en-US" smtClean="0"/>
-              <a:t>Click to edit Master text styles</a:t>
-            </a:r>
-          </a:p>
-        </p:txBody>
-      </p:sp>
-      <p:sp>
-        <p:nvSpPr>
-          <p:cNvPr id="4" name="Date Placeholder 3"/>
+              <a:rPr lang="zh-TW" altLang="en-US" smtClean="0"/>
+              <a:t>按一下以編輯母片文字樣式</a:t>
+            </a:r>
+          </a:p>
+        </p:txBody>
+      </p:sp>
+      <p:sp>
+        <p:nvSpPr>
+          <p:cNvPr id="4" name="日期版面配置區 3"/>
           <p:cNvSpPr>
             <a:spLocks noGrp="1"/>
           </p:cNvSpPr>
@@ -1653,7 +1654,7 @@
             <a:fld id="{5FF28CCE-131F-4981-9FFD-242E59E818BE}" type="datetimeFigureOut">
               <a:rPr lang="en-US" smtClean="0"/>
               <a:pPr/>
-              <a:t>5/7/2019</a:t>
+              <a:t>5/21/2019</a:t>
             </a:fld>
             <a:endParaRPr lang="en-US"/>
           </a:p>
@@ -1661,7 +1662,7 @@
       </p:sp>
       <p:sp>
         <p:nvSpPr>
-          <p:cNvPr id="5" name="Footer Placeholder 4"/>
+          <p:cNvPr id="5" name="頁尾版面配置區 4"/>
           <p:cNvSpPr>
             <a:spLocks noGrp="1"/>
           </p:cNvSpPr>
@@ -1680,7 +1681,7 @@
       </p:sp>
       <p:sp>
         <p:nvSpPr>
-          <p:cNvPr id="6" name="Slide Number Placeholder 5"/>
+          <p:cNvPr id="6" name="投影片編號版面配置區 5"/>
           <p:cNvSpPr>
             <a:spLocks noGrp="1"/>
           </p:cNvSpPr>
@@ -1712,7 +1713,7 @@
 
 <file path=ppt/slideLayouts/slideLayout4.xml><?xml version="1.0" encoding="utf-8"?>
 <p:sldLayout xmlns:a="http://schemas.openxmlformats.org/drawingml/2006/main" xmlns:r="http://schemas.openxmlformats.org/officeDocument/2006/relationships" xmlns:p="http://schemas.openxmlformats.org/presentationml/2006/main" type="twoObj" preserve="1">
-  <p:cSld name="Two Content">
+  <p:cSld name="兩項物件">
     <p:spTree>
       <p:nvGrpSpPr>
         <p:cNvPr id="1" name=""/>
@@ -1729,7 +1730,7 @@
       </p:grpSpPr>
       <p:sp>
         <p:nvSpPr>
-          <p:cNvPr id="2" name="Title 1"/>
+          <p:cNvPr id="2" name="標題 1"/>
           <p:cNvSpPr>
             <a:spLocks noGrp="1"/>
           </p:cNvSpPr>
@@ -1743,16 +1744,16 @@
           <a:lstStyle/>
           <a:p>
             <a:r>
-              <a:rPr lang="en-US" smtClean="0"/>
-              <a:t>Click to edit Master title style</a:t>
-            </a:r>
-            <a:endParaRPr lang="en-US"/>
-          </a:p>
-        </p:txBody>
-      </p:sp>
-      <p:sp>
-        <p:nvSpPr>
-          <p:cNvPr id="3" name="Content Placeholder 2"/>
+              <a:rPr lang="zh-TW" altLang="en-US" smtClean="0"/>
+              <a:t>按一下以編輯母片標題樣式</a:t>
+            </a:r>
+            <a:endParaRPr lang="zh-TW" altLang="en-US"/>
+          </a:p>
+        </p:txBody>
+      </p:sp>
+      <p:sp>
+        <p:nvSpPr>
+          <p:cNvPr id="3" name="內容版面配置區 2"/>
           <p:cNvSpPr>
             <a:spLocks noGrp="1"/>
           </p:cNvSpPr>
@@ -1800,44 +1801,44 @@
           <a:p>
             <a:pPr lvl="0"/>
             <a:r>
-              <a:rPr lang="en-US" smtClean="0"/>
-              <a:t>Click to edit Master text styles</a:t>
+              <a:rPr lang="zh-TW" altLang="en-US" smtClean="0"/>
+              <a:t>按一下以編輯母片文字樣式</a:t>
             </a:r>
           </a:p>
           <a:p>
             <a:pPr lvl="1"/>
             <a:r>
-              <a:rPr lang="en-US" smtClean="0"/>
-              <a:t>Second level</a:t>
+              <a:rPr lang="zh-TW" altLang="en-US" smtClean="0"/>
+              <a:t>第二層</a:t>
             </a:r>
           </a:p>
           <a:p>
             <a:pPr lvl="2"/>
             <a:r>
-              <a:rPr lang="en-US" smtClean="0"/>
-              <a:t>Third level</a:t>
+              <a:rPr lang="zh-TW" altLang="en-US" smtClean="0"/>
+              <a:t>第三層</a:t>
             </a:r>
           </a:p>
           <a:p>
             <a:pPr lvl="3"/>
             <a:r>
-              <a:rPr lang="en-US" smtClean="0"/>
-              <a:t>Fourth level</a:t>
+              <a:rPr lang="zh-TW" altLang="en-US" smtClean="0"/>
+              <a:t>第四層</a:t>
             </a:r>
           </a:p>
           <a:p>
             <a:pPr lvl="4"/>
             <a:r>
-              <a:rPr lang="en-US" smtClean="0"/>
-              <a:t>Fifth level</a:t>
-            </a:r>
-            <a:endParaRPr lang="en-US"/>
-          </a:p>
-        </p:txBody>
-      </p:sp>
-      <p:sp>
-        <p:nvSpPr>
-          <p:cNvPr id="4" name="Content Placeholder 3"/>
+              <a:rPr lang="zh-TW" altLang="en-US" smtClean="0"/>
+              <a:t>第五層</a:t>
+            </a:r>
+            <a:endParaRPr lang="zh-TW" altLang="en-US"/>
+          </a:p>
+        </p:txBody>
+      </p:sp>
+      <p:sp>
+        <p:nvSpPr>
+          <p:cNvPr id="4" name="內容版面配置區 3"/>
           <p:cNvSpPr>
             <a:spLocks noGrp="1"/>
           </p:cNvSpPr>
@@ -1885,44 +1886,44 @@
           <a:p>
             <a:pPr lvl="0"/>
             <a:r>
-              <a:rPr lang="en-US" smtClean="0"/>
-              <a:t>Click to edit Master text styles</a:t>
+              <a:rPr lang="zh-TW" altLang="en-US" smtClean="0"/>
+              <a:t>按一下以編輯母片文字樣式</a:t>
             </a:r>
           </a:p>
           <a:p>
             <a:pPr lvl="1"/>
             <a:r>
-              <a:rPr lang="en-US" smtClean="0"/>
-              <a:t>Second level</a:t>
+              <a:rPr lang="zh-TW" altLang="en-US" smtClean="0"/>
+              <a:t>第二層</a:t>
             </a:r>
           </a:p>
           <a:p>
             <a:pPr lvl="2"/>
             <a:r>
-              <a:rPr lang="en-US" smtClean="0"/>
-              <a:t>Third level</a:t>
+              <a:rPr lang="zh-TW" altLang="en-US" smtClean="0"/>
+              <a:t>第三層</a:t>
             </a:r>
           </a:p>
           <a:p>
             <a:pPr lvl="3"/>
             <a:r>
-              <a:rPr lang="en-US" smtClean="0"/>
-              <a:t>Fourth level</a:t>
+              <a:rPr lang="zh-TW" altLang="en-US" smtClean="0"/>
+              <a:t>第四層</a:t>
             </a:r>
           </a:p>
           <a:p>
             <a:pPr lvl="4"/>
             <a:r>
-              <a:rPr lang="en-US" smtClean="0"/>
-              <a:t>Fifth level</a:t>
-            </a:r>
-            <a:endParaRPr lang="en-US"/>
-          </a:p>
-        </p:txBody>
-      </p:sp>
-      <p:sp>
-        <p:nvSpPr>
-          <p:cNvPr id="5" name="Date Placeholder 4"/>
+              <a:rPr lang="zh-TW" altLang="en-US" smtClean="0"/>
+              <a:t>第五層</a:t>
+            </a:r>
+            <a:endParaRPr lang="zh-TW" altLang="en-US"/>
+          </a:p>
+        </p:txBody>
+      </p:sp>
+      <p:sp>
+        <p:nvSpPr>
+          <p:cNvPr id="5" name="日期版面配置區 4"/>
           <p:cNvSpPr>
             <a:spLocks noGrp="1"/>
           </p:cNvSpPr>
@@ -1938,7 +1939,7 @@
             <a:fld id="{5FF28CCE-131F-4981-9FFD-242E59E818BE}" type="datetimeFigureOut">
               <a:rPr lang="en-US" smtClean="0"/>
               <a:pPr/>
-              <a:t>5/7/2019</a:t>
+              <a:t>5/21/2019</a:t>
             </a:fld>
             <a:endParaRPr lang="en-US"/>
           </a:p>
@@ -1946,7 +1947,7 @@
       </p:sp>
       <p:sp>
         <p:nvSpPr>
-          <p:cNvPr id="6" name="Footer Placeholder 5"/>
+          <p:cNvPr id="6" name="頁尾版面配置區 5"/>
           <p:cNvSpPr>
             <a:spLocks noGrp="1"/>
           </p:cNvSpPr>
@@ -1965,7 +1966,7 @@
       </p:sp>
       <p:sp>
         <p:nvSpPr>
-          <p:cNvPr id="7" name="Slide Number Placeholder 6"/>
+          <p:cNvPr id="7" name="投影片編號版面配置區 6"/>
           <p:cNvSpPr>
             <a:spLocks noGrp="1"/>
           </p:cNvSpPr>
@@ -1997,7 +1998,7 @@
 
 <file path=ppt/slideLayouts/slideLayout5.xml><?xml version="1.0" encoding="utf-8"?>
 <p:sldLayout xmlns:a="http://schemas.openxmlformats.org/drawingml/2006/main" xmlns:r="http://schemas.openxmlformats.org/officeDocument/2006/relationships" xmlns:p="http://schemas.openxmlformats.org/presentationml/2006/main" type="twoTxTwoObj" preserve="1">
-  <p:cSld name="Comparison">
+  <p:cSld name="比對">
     <p:spTree>
       <p:nvGrpSpPr>
         <p:cNvPr id="1" name=""/>
@@ -2014,7 +2015,7 @@
       </p:grpSpPr>
       <p:sp>
         <p:nvSpPr>
-          <p:cNvPr id="2" name="Title 1"/>
+          <p:cNvPr id="2" name="標題 1"/>
           <p:cNvSpPr>
             <a:spLocks noGrp="1"/>
           </p:cNvSpPr>
@@ -2032,16 +2033,16 @@
           </a:lstStyle>
           <a:p>
             <a:r>
-              <a:rPr lang="en-US" smtClean="0"/>
-              <a:t>Click to edit Master title style</a:t>
-            </a:r>
-            <a:endParaRPr lang="en-US"/>
-          </a:p>
-        </p:txBody>
-      </p:sp>
-      <p:sp>
-        <p:nvSpPr>
-          <p:cNvPr id="3" name="Text Placeholder 2"/>
+              <a:rPr lang="zh-TW" altLang="en-US" smtClean="0"/>
+              <a:t>按一下以編輯母片標題樣式</a:t>
+            </a:r>
+            <a:endParaRPr lang="zh-TW" altLang="en-US"/>
+          </a:p>
+        </p:txBody>
+      </p:sp>
+      <p:sp>
+        <p:nvSpPr>
+          <p:cNvPr id="3" name="文字版面配置區 2"/>
           <p:cNvSpPr>
             <a:spLocks noGrp="1"/>
           </p:cNvSpPr>
@@ -2098,15 +2099,15 @@
           <a:p>
             <a:pPr lvl="0"/>
             <a:r>
-              <a:rPr lang="en-US" smtClean="0"/>
-              <a:t>Click to edit Master text styles</a:t>
-            </a:r>
-          </a:p>
-        </p:txBody>
-      </p:sp>
-      <p:sp>
-        <p:nvSpPr>
-          <p:cNvPr id="4" name="Content Placeholder 3"/>
+              <a:rPr lang="zh-TW" altLang="en-US" smtClean="0"/>
+              <a:t>按一下以編輯母片文字樣式</a:t>
+            </a:r>
+          </a:p>
+        </p:txBody>
+      </p:sp>
+      <p:sp>
+        <p:nvSpPr>
+          <p:cNvPr id="4" name="內容版面配置區 3"/>
           <p:cNvSpPr>
             <a:spLocks noGrp="1"/>
           </p:cNvSpPr>
@@ -2154,44 +2155,44 @@
           <a:p>
             <a:pPr lvl="0"/>
             <a:r>
-              <a:rPr lang="en-US" smtClean="0"/>
-              <a:t>Click to edit Master text styles</a:t>
+              <a:rPr lang="zh-TW" altLang="en-US" smtClean="0"/>
+              <a:t>按一下以編輯母片文字樣式</a:t>
             </a:r>
           </a:p>
           <a:p>
             <a:pPr lvl="1"/>
             <a:r>
-              <a:rPr lang="en-US" smtClean="0"/>
-              <a:t>Second level</a:t>
+              <a:rPr lang="zh-TW" altLang="en-US" smtClean="0"/>
+              <a:t>第二層</a:t>
             </a:r>
           </a:p>
           <a:p>
             <a:pPr lvl="2"/>
             <a:r>
-              <a:rPr lang="en-US" smtClean="0"/>
-              <a:t>Third level</a:t>
+              <a:rPr lang="zh-TW" altLang="en-US" smtClean="0"/>
+              <a:t>第三層</a:t>
             </a:r>
           </a:p>
           <a:p>
             <a:pPr lvl="3"/>
             <a:r>
-              <a:rPr lang="en-US" smtClean="0"/>
-              <a:t>Fourth level</a:t>
+              <a:rPr lang="zh-TW" altLang="en-US" smtClean="0"/>
+              <a:t>第四層</a:t>
             </a:r>
           </a:p>
           <a:p>
             <a:pPr lvl="4"/>
             <a:r>
-              <a:rPr lang="en-US" smtClean="0"/>
-              <a:t>Fifth level</a:t>
-            </a:r>
-            <a:endParaRPr lang="en-US"/>
-          </a:p>
-        </p:txBody>
-      </p:sp>
-      <p:sp>
-        <p:nvSpPr>
-          <p:cNvPr id="5" name="Text Placeholder 4"/>
+              <a:rPr lang="zh-TW" altLang="en-US" smtClean="0"/>
+              <a:t>第五層</a:t>
+            </a:r>
+            <a:endParaRPr lang="zh-TW" altLang="en-US"/>
+          </a:p>
+        </p:txBody>
+      </p:sp>
+      <p:sp>
+        <p:nvSpPr>
+          <p:cNvPr id="5" name="文字版面配置區 4"/>
           <p:cNvSpPr>
             <a:spLocks noGrp="1"/>
           </p:cNvSpPr>
@@ -2248,15 +2249,15 @@
           <a:p>
             <a:pPr lvl="0"/>
             <a:r>
-              <a:rPr lang="en-US" smtClean="0"/>
-              <a:t>Click to edit Master text styles</a:t>
-            </a:r>
-          </a:p>
-        </p:txBody>
-      </p:sp>
-      <p:sp>
-        <p:nvSpPr>
-          <p:cNvPr id="6" name="Content Placeholder 5"/>
+              <a:rPr lang="zh-TW" altLang="en-US" smtClean="0"/>
+              <a:t>按一下以編輯母片文字樣式</a:t>
+            </a:r>
+          </a:p>
+        </p:txBody>
+      </p:sp>
+      <p:sp>
+        <p:nvSpPr>
+          <p:cNvPr id="6" name="內容版面配置區 5"/>
           <p:cNvSpPr>
             <a:spLocks noGrp="1"/>
           </p:cNvSpPr>
@@ -2304,44 +2305,44 @@
           <a:p>
             <a:pPr lvl="0"/>
             <a:r>
-              <a:rPr lang="en-US" smtClean="0"/>
-              <a:t>Click to edit Master text styles</a:t>
+              <a:rPr lang="zh-TW" altLang="en-US" smtClean="0"/>
+              <a:t>按一下以編輯母片文字樣式</a:t>
             </a:r>
           </a:p>
           <a:p>
             <a:pPr lvl="1"/>
             <a:r>
-              <a:rPr lang="en-US" smtClean="0"/>
-              <a:t>Second level</a:t>
+              <a:rPr lang="zh-TW" altLang="en-US" smtClean="0"/>
+              <a:t>第二層</a:t>
             </a:r>
           </a:p>
           <a:p>
             <a:pPr lvl="2"/>
             <a:r>
-              <a:rPr lang="en-US" smtClean="0"/>
-              <a:t>Third level</a:t>
+              <a:rPr lang="zh-TW" altLang="en-US" smtClean="0"/>
+              <a:t>第三層</a:t>
             </a:r>
           </a:p>
           <a:p>
             <a:pPr lvl="3"/>
             <a:r>
-              <a:rPr lang="en-US" smtClean="0"/>
-              <a:t>Fourth level</a:t>
+              <a:rPr lang="zh-TW" altLang="en-US" smtClean="0"/>
+              <a:t>第四層</a:t>
             </a:r>
           </a:p>
           <a:p>
             <a:pPr lvl="4"/>
             <a:r>
-              <a:rPr lang="en-US" smtClean="0"/>
-              <a:t>Fifth level</a:t>
-            </a:r>
-            <a:endParaRPr lang="en-US"/>
-          </a:p>
-        </p:txBody>
-      </p:sp>
-      <p:sp>
-        <p:nvSpPr>
-          <p:cNvPr id="7" name="Date Placeholder 6"/>
+              <a:rPr lang="zh-TW" altLang="en-US" smtClean="0"/>
+              <a:t>第五層</a:t>
+            </a:r>
+            <a:endParaRPr lang="zh-TW" altLang="en-US"/>
+          </a:p>
+        </p:txBody>
+      </p:sp>
+      <p:sp>
+        <p:nvSpPr>
+          <p:cNvPr id="7" name="日期版面配置區 6"/>
           <p:cNvSpPr>
             <a:spLocks noGrp="1"/>
           </p:cNvSpPr>
@@ -2357,7 +2358,7 @@
             <a:fld id="{5FF28CCE-131F-4981-9FFD-242E59E818BE}" type="datetimeFigureOut">
               <a:rPr lang="en-US" smtClean="0"/>
               <a:pPr/>
-              <a:t>5/7/2019</a:t>
+              <a:t>5/21/2019</a:t>
             </a:fld>
             <a:endParaRPr lang="en-US"/>
           </a:p>
@@ -2365,7 +2366,7 @@
       </p:sp>
       <p:sp>
         <p:nvSpPr>
-          <p:cNvPr id="8" name="Footer Placeholder 7"/>
+          <p:cNvPr id="8" name="頁尾版面配置區 7"/>
           <p:cNvSpPr>
             <a:spLocks noGrp="1"/>
           </p:cNvSpPr>
@@ -2384,7 +2385,7 @@
       </p:sp>
       <p:sp>
         <p:nvSpPr>
-          <p:cNvPr id="9" name="Slide Number Placeholder 8"/>
+          <p:cNvPr id="9" name="投影片編號版面配置區 8"/>
           <p:cNvSpPr>
             <a:spLocks noGrp="1"/>
           </p:cNvSpPr>
@@ -2416,7 +2417,7 @@
 
 <file path=ppt/slideLayouts/slideLayout6.xml><?xml version="1.0" encoding="utf-8"?>
 <p:sldLayout xmlns:a="http://schemas.openxmlformats.org/drawingml/2006/main" xmlns:r="http://schemas.openxmlformats.org/officeDocument/2006/relationships" xmlns:p="http://schemas.openxmlformats.org/presentationml/2006/main" type="titleOnly" preserve="1">
-  <p:cSld name="Title Only">
+  <p:cSld name="只有標題">
     <p:spTree>
       <p:nvGrpSpPr>
         <p:cNvPr id="1" name=""/>
@@ -2433,7 +2434,7 @@
       </p:grpSpPr>
       <p:sp>
         <p:nvSpPr>
-          <p:cNvPr id="2" name="Title 1"/>
+          <p:cNvPr id="2" name="標題 1"/>
           <p:cNvSpPr>
             <a:spLocks noGrp="1"/>
           </p:cNvSpPr>
@@ -2447,16 +2448,16 @@
           <a:lstStyle/>
           <a:p>
             <a:r>
-              <a:rPr lang="en-US" smtClean="0"/>
-              <a:t>Click to edit Master title style</a:t>
-            </a:r>
-            <a:endParaRPr lang="en-US"/>
-          </a:p>
-        </p:txBody>
-      </p:sp>
-      <p:sp>
-        <p:nvSpPr>
-          <p:cNvPr id="3" name="Date Placeholder 2"/>
+              <a:rPr lang="zh-TW" altLang="en-US" smtClean="0"/>
+              <a:t>按一下以編輯母片標題樣式</a:t>
+            </a:r>
+            <a:endParaRPr lang="zh-TW" altLang="en-US"/>
+          </a:p>
+        </p:txBody>
+      </p:sp>
+      <p:sp>
+        <p:nvSpPr>
+          <p:cNvPr id="3" name="日期版面配置區 2"/>
           <p:cNvSpPr>
             <a:spLocks noGrp="1"/>
           </p:cNvSpPr>
@@ -2472,7 +2473,7 @@
             <a:fld id="{5FF28CCE-131F-4981-9FFD-242E59E818BE}" type="datetimeFigureOut">
               <a:rPr lang="en-US" smtClean="0"/>
               <a:pPr/>
-              <a:t>5/7/2019</a:t>
+              <a:t>5/21/2019</a:t>
             </a:fld>
             <a:endParaRPr lang="en-US"/>
           </a:p>
@@ -2480,7 +2481,7 @@
       </p:sp>
       <p:sp>
         <p:nvSpPr>
-          <p:cNvPr id="4" name="Footer Placeholder 3"/>
+          <p:cNvPr id="4" name="頁尾版面配置區 3"/>
           <p:cNvSpPr>
             <a:spLocks noGrp="1"/>
           </p:cNvSpPr>
@@ -2499,7 +2500,7 @@
       </p:sp>
       <p:sp>
         <p:nvSpPr>
-          <p:cNvPr id="5" name="Slide Number Placeholder 4"/>
+          <p:cNvPr id="5" name="投影片編號版面配置區 4"/>
           <p:cNvSpPr>
             <a:spLocks noGrp="1"/>
           </p:cNvSpPr>
@@ -2531,7 +2532,7 @@
 
 <file path=ppt/slideLayouts/slideLayout7.xml><?xml version="1.0" encoding="utf-8"?>
 <p:sldLayout xmlns:a="http://schemas.openxmlformats.org/drawingml/2006/main" xmlns:r="http://schemas.openxmlformats.org/officeDocument/2006/relationships" xmlns:p="http://schemas.openxmlformats.org/presentationml/2006/main" type="blank" preserve="1">
-  <p:cSld name="Blank">
+  <p:cSld name="空白">
     <p:spTree>
       <p:nvGrpSpPr>
         <p:cNvPr id="1" name=""/>
@@ -2548,7 +2549,7 @@
       </p:grpSpPr>
       <p:sp>
         <p:nvSpPr>
-          <p:cNvPr id="2" name="Date Placeholder 1"/>
+          <p:cNvPr id="2" name="日期版面配置區 1"/>
           <p:cNvSpPr>
             <a:spLocks noGrp="1"/>
           </p:cNvSpPr>
@@ -2564,7 +2565,7 @@
             <a:fld id="{5FF28CCE-131F-4981-9FFD-242E59E818BE}" type="datetimeFigureOut">
               <a:rPr lang="en-US" smtClean="0"/>
               <a:pPr/>
-              <a:t>5/7/2019</a:t>
+              <a:t>5/21/2019</a:t>
             </a:fld>
             <a:endParaRPr lang="en-US"/>
           </a:p>
@@ -2572,7 +2573,7 @@
       </p:sp>
       <p:sp>
         <p:nvSpPr>
-          <p:cNvPr id="3" name="Footer Placeholder 2"/>
+          <p:cNvPr id="3" name="頁尾版面配置區 2"/>
           <p:cNvSpPr>
             <a:spLocks noGrp="1"/>
           </p:cNvSpPr>
@@ -2591,7 +2592,7 @@
       </p:sp>
       <p:sp>
         <p:nvSpPr>
-          <p:cNvPr id="4" name="Slide Number Placeholder 3"/>
+          <p:cNvPr id="4" name="投影片編號版面配置區 3"/>
           <p:cNvSpPr>
             <a:spLocks noGrp="1"/>
           </p:cNvSpPr>
@@ -2623,7 +2624,7 @@
 
 <file path=ppt/slideLayouts/slideLayout8.xml><?xml version="1.0" encoding="utf-8"?>
 <p:sldLayout xmlns:a="http://schemas.openxmlformats.org/drawingml/2006/main" xmlns:r="http://schemas.openxmlformats.org/officeDocument/2006/relationships" xmlns:p="http://schemas.openxmlformats.org/presentationml/2006/main" type="objTx" preserve="1">
-  <p:cSld name="Content with Caption">
+  <p:cSld name="含標題的內容">
     <p:spTree>
       <p:nvGrpSpPr>
         <p:cNvPr id="1" name=""/>
@@ -2640,7 +2641,7 @@
       </p:grpSpPr>
       <p:sp>
         <p:nvSpPr>
-          <p:cNvPr id="2" name="Title 1"/>
+          <p:cNvPr id="2" name="標題 1"/>
           <p:cNvSpPr>
             <a:spLocks noGrp="1"/>
           </p:cNvSpPr>
@@ -2663,16 +2664,16 @@
           </a:lstStyle>
           <a:p>
             <a:r>
-              <a:rPr lang="en-US" smtClean="0"/>
-              <a:t>Click to edit Master title style</a:t>
-            </a:r>
-            <a:endParaRPr lang="en-US"/>
-          </a:p>
-        </p:txBody>
-      </p:sp>
-      <p:sp>
-        <p:nvSpPr>
-          <p:cNvPr id="3" name="Content Placeholder 2"/>
+              <a:rPr lang="zh-TW" altLang="en-US" smtClean="0"/>
+              <a:t>按一下以編輯母片標題樣式</a:t>
+            </a:r>
+            <a:endParaRPr lang="zh-TW" altLang="en-US"/>
+          </a:p>
+        </p:txBody>
+      </p:sp>
+      <p:sp>
+        <p:nvSpPr>
+          <p:cNvPr id="3" name="內容版面配置區 2"/>
           <p:cNvSpPr>
             <a:spLocks noGrp="1"/>
           </p:cNvSpPr>
@@ -2720,44 +2721,44 @@
           <a:p>
             <a:pPr lvl="0"/>
             <a:r>
-              <a:rPr lang="en-US" smtClean="0"/>
-              <a:t>Click to edit Master text styles</a:t>
+              <a:rPr lang="zh-TW" altLang="en-US" smtClean="0"/>
+              <a:t>按一下以編輯母片文字樣式</a:t>
             </a:r>
           </a:p>
           <a:p>
             <a:pPr lvl="1"/>
             <a:r>
-              <a:rPr lang="en-US" smtClean="0"/>
-              <a:t>Second level</a:t>
+              <a:rPr lang="zh-TW" altLang="en-US" smtClean="0"/>
+              <a:t>第二層</a:t>
             </a:r>
           </a:p>
           <a:p>
             <a:pPr lvl="2"/>
             <a:r>
-              <a:rPr lang="en-US" smtClean="0"/>
-              <a:t>Third level</a:t>
+              <a:rPr lang="zh-TW" altLang="en-US" smtClean="0"/>
+              <a:t>第三層</a:t>
             </a:r>
           </a:p>
           <a:p>
             <a:pPr lvl="3"/>
             <a:r>
-              <a:rPr lang="en-US" smtClean="0"/>
-              <a:t>Fourth level</a:t>
+              <a:rPr lang="zh-TW" altLang="en-US" smtClean="0"/>
+              <a:t>第四層</a:t>
             </a:r>
           </a:p>
           <a:p>
             <a:pPr lvl="4"/>
             <a:r>
-              <a:rPr lang="en-US" smtClean="0"/>
-              <a:t>Fifth level</a:t>
-            </a:r>
-            <a:endParaRPr lang="en-US"/>
-          </a:p>
-        </p:txBody>
-      </p:sp>
-      <p:sp>
-        <p:nvSpPr>
-          <p:cNvPr id="4" name="Text Placeholder 3"/>
+              <a:rPr lang="zh-TW" altLang="en-US" smtClean="0"/>
+              <a:t>第五層</a:t>
+            </a:r>
+            <a:endParaRPr lang="zh-TW" altLang="en-US"/>
+          </a:p>
+        </p:txBody>
+      </p:sp>
+      <p:sp>
+        <p:nvSpPr>
+          <p:cNvPr id="4" name="文字版面配置區 3"/>
           <p:cNvSpPr>
             <a:spLocks noGrp="1"/>
           </p:cNvSpPr>
@@ -2814,15 +2815,15 @@
           <a:p>
             <a:pPr lvl="0"/>
             <a:r>
-              <a:rPr lang="en-US" smtClean="0"/>
-              <a:t>Click to edit Master text styles</a:t>
-            </a:r>
-          </a:p>
-        </p:txBody>
-      </p:sp>
-      <p:sp>
-        <p:nvSpPr>
-          <p:cNvPr id="5" name="Date Placeholder 4"/>
+              <a:rPr lang="zh-TW" altLang="en-US" smtClean="0"/>
+              <a:t>按一下以編輯母片文字樣式</a:t>
+            </a:r>
+          </a:p>
+        </p:txBody>
+      </p:sp>
+      <p:sp>
+        <p:nvSpPr>
+          <p:cNvPr id="5" name="日期版面配置區 4"/>
           <p:cNvSpPr>
             <a:spLocks noGrp="1"/>
           </p:cNvSpPr>
@@ -2838,7 +2839,7 @@
             <a:fld id="{5FF28CCE-131F-4981-9FFD-242E59E818BE}" type="datetimeFigureOut">
               <a:rPr lang="en-US" smtClean="0"/>
               <a:pPr/>
-              <a:t>5/7/2019</a:t>
+              <a:t>5/21/2019</a:t>
             </a:fld>
             <a:endParaRPr lang="en-US"/>
           </a:p>
@@ -2846,7 +2847,7 @@
       </p:sp>
       <p:sp>
         <p:nvSpPr>
-          <p:cNvPr id="6" name="Footer Placeholder 5"/>
+          <p:cNvPr id="6" name="頁尾版面配置區 5"/>
           <p:cNvSpPr>
             <a:spLocks noGrp="1"/>
           </p:cNvSpPr>
@@ -2865,7 +2866,7 @@
       </p:sp>
       <p:sp>
         <p:nvSpPr>
-          <p:cNvPr id="7" name="Slide Number Placeholder 6"/>
+          <p:cNvPr id="7" name="投影片編號版面配置區 6"/>
           <p:cNvSpPr>
             <a:spLocks noGrp="1"/>
           </p:cNvSpPr>
@@ -2897,7 +2898,7 @@
 
 <file path=ppt/slideLayouts/slideLayout9.xml><?xml version="1.0" encoding="utf-8"?>
 <p:sldLayout xmlns:a="http://schemas.openxmlformats.org/drawingml/2006/main" xmlns:r="http://schemas.openxmlformats.org/officeDocument/2006/relationships" xmlns:p="http://schemas.openxmlformats.org/presentationml/2006/main" type="picTx" preserve="1">
-  <p:cSld name="Picture with Caption">
+  <p:cSld name="含標題的圖片">
     <p:spTree>
       <p:nvGrpSpPr>
         <p:cNvPr id="1" name=""/>
@@ -2914,7 +2915,7 @@
       </p:grpSpPr>
       <p:sp>
         <p:nvSpPr>
-          <p:cNvPr id="2" name="Title 1"/>
+          <p:cNvPr id="2" name="標題 1"/>
           <p:cNvSpPr>
             <a:spLocks noGrp="1"/>
           </p:cNvSpPr>
@@ -2937,16 +2938,16 @@
           </a:lstStyle>
           <a:p>
             <a:r>
-              <a:rPr lang="en-US" smtClean="0"/>
-              <a:t>Click to edit Master title style</a:t>
-            </a:r>
-            <a:endParaRPr lang="en-US"/>
-          </a:p>
-        </p:txBody>
-      </p:sp>
-      <p:sp>
-        <p:nvSpPr>
-          <p:cNvPr id="3" name="Picture Placeholder 2"/>
+              <a:rPr lang="zh-TW" altLang="en-US" smtClean="0"/>
+              <a:t>按一下以編輯母片標題樣式</a:t>
+            </a:r>
+            <a:endParaRPr lang="zh-TW" altLang="en-US"/>
+          </a:p>
+        </p:txBody>
+      </p:sp>
+      <p:sp>
+        <p:nvSpPr>
+          <p:cNvPr id="3" name="圖片版面配置區 2"/>
           <p:cNvSpPr>
             <a:spLocks noGrp="1"/>
           </p:cNvSpPr>
@@ -3001,13 +3002,17 @@
             </a:lvl9pPr>
           </a:lstStyle>
           <a:p>
-            <a:endParaRPr lang="en-US"/>
-          </a:p>
-        </p:txBody>
-      </p:sp>
-      <p:sp>
-        <p:nvSpPr>
-          <p:cNvPr id="4" name="Text Placeholder 3"/>
+            <a:r>
+              <a:rPr lang="zh-TW" altLang="en-US" smtClean="0"/>
+              <a:t>按一下圖示以新增圖片</a:t>
+            </a:r>
+            <a:endParaRPr lang="zh-TW" altLang="en-US"/>
+          </a:p>
+        </p:txBody>
+      </p:sp>
+      <p:sp>
+        <p:nvSpPr>
+          <p:cNvPr id="4" name="文字版面配置區 3"/>
           <p:cNvSpPr>
             <a:spLocks noGrp="1"/>
           </p:cNvSpPr>
@@ -3064,15 +3069,15 @@
           <a:p>
             <a:pPr lvl="0"/>
             <a:r>
-              <a:rPr lang="en-US" smtClean="0"/>
-              <a:t>Click to edit Master text styles</a:t>
-            </a:r>
-          </a:p>
-        </p:txBody>
-      </p:sp>
-      <p:sp>
-        <p:nvSpPr>
-          <p:cNvPr id="5" name="Date Placeholder 4"/>
+              <a:rPr lang="zh-TW" altLang="en-US" smtClean="0"/>
+              <a:t>按一下以編輯母片文字樣式</a:t>
+            </a:r>
+          </a:p>
+        </p:txBody>
+      </p:sp>
+      <p:sp>
+        <p:nvSpPr>
+          <p:cNvPr id="5" name="日期版面配置區 4"/>
           <p:cNvSpPr>
             <a:spLocks noGrp="1"/>
           </p:cNvSpPr>
@@ -3088,7 +3093,7 @@
             <a:fld id="{5FF28CCE-131F-4981-9FFD-242E59E818BE}" type="datetimeFigureOut">
               <a:rPr lang="en-US" smtClean="0"/>
               <a:pPr/>
-              <a:t>5/7/2019</a:t>
+              <a:t>5/21/2019</a:t>
             </a:fld>
             <a:endParaRPr lang="en-US"/>
           </a:p>
@@ -3096,7 +3101,7 @@
       </p:sp>
       <p:sp>
         <p:nvSpPr>
-          <p:cNvPr id="6" name="Footer Placeholder 5"/>
+          <p:cNvPr id="6" name="頁尾版面配置區 5"/>
           <p:cNvSpPr>
             <a:spLocks noGrp="1"/>
           </p:cNvSpPr>
@@ -3115,7 +3120,7 @@
       </p:sp>
       <p:sp>
         <p:nvSpPr>
-          <p:cNvPr id="7" name="Slide Number Placeholder 6"/>
+          <p:cNvPr id="7" name="投影片編號版面配置區 6"/>
           <p:cNvSpPr>
             <a:spLocks noGrp="1"/>
           </p:cNvSpPr>
@@ -3149,9 +3154,14 @@
 <p:sldMaster xmlns:a="http://schemas.openxmlformats.org/drawingml/2006/main" xmlns:r="http://schemas.openxmlformats.org/officeDocument/2006/relationships" xmlns:p="http://schemas.openxmlformats.org/presentationml/2006/main">
   <p:cSld>
     <p:bg>
-      <p:bgRef idx="1001">
-        <a:schemeClr val="bg1"/>
-      </p:bgRef>
+      <p:bgPr>
+        <a:blipFill dpi="0" rotWithShape="1">
+          <a:blip r:embed="rId13"/>
+          <a:srcRect/>
+          <a:tile tx="0" ty="0" sx="100000" sy="100000" flip="none" algn="tl"/>
+        </a:blipFill>
+        <a:effectLst/>
+      </p:bgPr>
     </p:bg>
     <p:spTree>
       <p:nvGrpSpPr>
@@ -3169,7 +3179,7 @@
       </p:grpSpPr>
       <p:sp>
         <p:nvSpPr>
-          <p:cNvPr id="2" name="Title Placeholder 1"/>
+          <p:cNvPr id="2" name="標題版面配置區 1"/>
           <p:cNvSpPr>
             <a:spLocks noGrp="1"/>
           </p:cNvSpPr>
@@ -3193,16 +3203,16 @@
           <a:lstStyle/>
           <a:p>
             <a:r>
-              <a:rPr lang="en-US" smtClean="0"/>
-              <a:t>Click to edit Master title style</a:t>
-            </a:r>
-            <a:endParaRPr lang="en-US"/>
-          </a:p>
-        </p:txBody>
-      </p:sp>
-      <p:sp>
-        <p:nvSpPr>
-          <p:cNvPr id="3" name="Text Placeholder 2"/>
+              <a:rPr lang="zh-TW" altLang="en-US" smtClean="0"/>
+              <a:t>按一下以編輯母片標題樣式</a:t>
+            </a:r>
+            <a:endParaRPr lang="zh-TW" altLang="en-US"/>
+          </a:p>
+        </p:txBody>
+      </p:sp>
+      <p:sp>
+        <p:nvSpPr>
+          <p:cNvPr id="3" name="文字版面配置區 2"/>
           <p:cNvSpPr>
             <a:spLocks noGrp="1"/>
           </p:cNvSpPr>
@@ -3227,44 +3237,44 @@
           <a:p>
             <a:pPr lvl="0"/>
             <a:r>
-              <a:rPr lang="en-US" smtClean="0"/>
-              <a:t>Click to edit Master text styles</a:t>
+              <a:rPr lang="zh-TW" altLang="en-US" smtClean="0"/>
+              <a:t>按一下以編輯母片文字樣式</a:t>
             </a:r>
           </a:p>
           <a:p>
             <a:pPr lvl="1"/>
             <a:r>
-              <a:rPr lang="en-US" smtClean="0"/>
-              <a:t>Second level</a:t>
+              <a:rPr lang="zh-TW" altLang="en-US" smtClean="0"/>
+              <a:t>第二層</a:t>
             </a:r>
           </a:p>
           <a:p>
             <a:pPr lvl="2"/>
             <a:r>
-              <a:rPr lang="en-US" smtClean="0"/>
-              <a:t>Third level</a:t>
+              <a:rPr lang="zh-TW" altLang="en-US" smtClean="0"/>
+              <a:t>第三層</a:t>
             </a:r>
           </a:p>
           <a:p>
             <a:pPr lvl="3"/>
             <a:r>
-              <a:rPr lang="en-US" smtClean="0"/>
-              <a:t>Fourth level</a:t>
+              <a:rPr lang="zh-TW" altLang="en-US" smtClean="0"/>
+              <a:t>第四層</a:t>
             </a:r>
           </a:p>
           <a:p>
             <a:pPr lvl="4"/>
             <a:r>
-              <a:rPr lang="en-US" smtClean="0"/>
-              <a:t>Fifth level</a:t>
-            </a:r>
-            <a:endParaRPr lang="en-US"/>
-          </a:p>
-        </p:txBody>
-      </p:sp>
-      <p:sp>
-        <p:nvSpPr>
-          <p:cNvPr id="4" name="Date Placeholder 3"/>
+              <a:rPr lang="zh-TW" altLang="en-US" smtClean="0"/>
+              <a:t>第五層</a:t>
+            </a:r>
+            <a:endParaRPr lang="zh-TW" altLang="en-US"/>
+          </a:p>
+        </p:txBody>
+      </p:sp>
+      <p:sp>
+        <p:nvSpPr>
+          <p:cNvPr id="4" name="日期版面配置區 3"/>
           <p:cNvSpPr>
             <a:spLocks noGrp="1"/>
           </p:cNvSpPr>
@@ -3298,7 +3308,7 @@
             <a:fld id="{5FF28CCE-131F-4981-9FFD-242E59E818BE}" type="datetimeFigureOut">
               <a:rPr lang="en-US" smtClean="0"/>
               <a:pPr/>
-              <a:t>5/7/2019</a:t>
+              <a:t>5/21/2019</a:t>
             </a:fld>
             <a:endParaRPr lang="en-US"/>
           </a:p>
@@ -3306,7 +3316,7 @@
       </p:sp>
       <p:sp>
         <p:nvSpPr>
-          <p:cNvPr id="5" name="Footer Placeholder 4"/>
+          <p:cNvPr id="5" name="頁尾版面配置區 4"/>
           <p:cNvSpPr>
             <a:spLocks noGrp="1"/>
           </p:cNvSpPr>
@@ -3343,7 +3353,7 @@
       </p:sp>
       <p:sp>
         <p:nvSpPr>
-          <p:cNvPr id="6" name="Slide Number Placeholder 5"/>
+          <p:cNvPr id="6" name="投影片編號版面配置區 5"/>
           <p:cNvSpPr>
             <a:spLocks noGrp="1"/>
           </p:cNvSpPr>
@@ -3387,17 +3397,17 @@
   </p:cSld>
   <p:clrMap bg1="lt1" tx1="dk1" bg2="lt2" tx2="dk2" accent1="accent1" accent2="accent2" accent3="accent3" accent4="accent4" accent5="accent5" accent6="accent6" hlink="hlink" folHlink="folHlink"/>
   <p:sldLayoutIdLst>
-    <p:sldLayoutId id="2147483649" r:id="rId1"/>
-    <p:sldLayoutId id="2147483650" r:id="rId2"/>
-    <p:sldLayoutId id="2147483651" r:id="rId3"/>
-    <p:sldLayoutId id="2147483652" r:id="rId4"/>
-    <p:sldLayoutId id="2147483653" r:id="rId5"/>
-    <p:sldLayoutId id="2147483654" r:id="rId6"/>
-    <p:sldLayoutId id="2147483655" r:id="rId7"/>
-    <p:sldLayoutId id="2147483656" r:id="rId8"/>
-    <p:sldLayoutId id="2147483657" r:id="rId9"/>
-    <p:sldLayoutId id="2147483658" r:id="rId10"/>
-    <p:sldLayoutId id="2147483659" r:id="rId11"/>
+    <p:sldLayoutId id="2147483661" r:id="rId1"/>
+    <p:sldLayoutId id="2147483662" r:id="rId2"/>
+    <p:sldLayoutId id="2147483663" r:id="rId3"/>
+    <p:sldLayoutId id="2147483664" r:id="rId4"/>
+    <p:sldLayoutId id="2147483665" r:id="rId5"/>
+    <p:sldLayoutId id="2147483666" r:id="rId6"/>
+    <p:sldLayoutId id="2147483667" r:id="rId7"/>
+    <p:sldLayoutId id="2147483668" r:id="rId8"/>
+    <p:sldLayoutId id="2147483669" r:id="rId9"/>
+    <p:sldLayoutId id="2147483670" r:id="rId10"/>
+    <p:sldLayoutId id="2147483671" r:id="rId11"/>
   </p:sldLayoutIdLst>
   <p:txStyles>
     <p:titleStyle>
@@ -3555,7 +3565,7 @@
     </p:bodyStyle>
     <p:otherStyle>
       <a:defPPr>
-        <a:defRPr lang="en-US"/>
+        <a:defRPr lang="zh-TW"/>
       </a:defPPr>
       <a:lvl1pPr marL="0" algn="l" defTabSz="914400" rtl="0" eaLnBrk="1" latinLnBrk="0" hangingPunct="1">
         <a:defRPr sz="1800" kern="1200">
@@ -3887,7 +3897,16 @@
               <a:rPr lang="en-US" sz="4400" dirty="0">
                 <a:latin typeface="Arial Black" pitchFamily="34" charset="0"/>
               </a:rPr>
-              <a:t>keep me praising</a:t>
+              <a:t>keep me </a:t>
+            </a:r>
+            <a:r>
+              <a:rPr lang="en-US" sz="4400" dirty="0">
+                <a:solidFill>
+                  <a:srgbClr val="00B050"/>
+                </a:solidFill>
+                <a:latin typeface="Arial Black" pitchFamily="34" charset="0"/>
+              </a:rPr>
+              <a:t>praising</a:t>
             </a:r>
           </a:p>
         </p:txBody>
@@ -4019,11 +4038,17 @@
             </a:r>
             <a:r>
               <a:rPr lang="en-US" sz="4400" dirty="0" smtClean="0">
+                <a:solidFill>
+                  <a:srgbClr val="00B050"/>
+                </a:solidFill>
                 <a:latin typeface="Arial Black" pitchFamily="34" charset="0"/>
               </a:rPr>
               <a:t>praising</a:t>
             </a:r>
             <a:endParaRPr lang="en-US" sz="4400" dirty="0">
+              <a:solidFill>
+                <a:srgbClr val="00B050"/>
+              </a:solidFill>
               <a:latin typeface="Arial Black" pitchFamily="34" charset="0"/>
             </a:endParaRPr>
           </a:p>
@@ -4307,7 +4332,7 @@
               <a:rPr lang="en-US" sz="4400" dirty="0" smtClean="0">
                 <a:latin typeface="Arial Black" pitchFamily="34" charset="0"/>
               </a:rPr>
-              <a:t>King of Kings</a:t>
+              <a:t>King</a:t>
             </a:r>
             <a:endParaRPr lang="en-US" sz="4400" dirty="0">
               <a:latin typeface="Arial Black" pitchFamily="34" charset="0"/>
@@ -4446,11 +4471,17 @@
             </a:r>
             <a:r>
               <a:rPr lang="en-US" sz="4400" dirty="0" smtClean="0">
+                <a:solidFill>
+                  <a:srgbClr val="00B0F0"/>
+                </a:solidFill>
                 <a:latin typeface="Arial Black" pitchFamily="34" charset="0"/>
               </a:rPr>
               <a:t>resting</a:t>
             </a:r>
             <a:endParaRPr lang="en-US" sz="4400" dirty="0">
+              <a:solidFill>
+                <a:srgbClr val="00B0F0"/>
+              </a:solidFill>
               <a:latin typeface="Arial Black" pitchFamily="34" charset="0"/>
             </a:endParaRPr>
           </a:p>
@@ -4583,11 +4614,17 @@
             </a:r>
             <a:r>
               <a:rPr lang="en-US" sz="4400" dirty="0" smtClean="0">
+                <a:solidFill>
+                  <a:srgbClr val="00B0F0"/>
+                </a:solidFill>
                 <a:latin typeface="Arial Black" pitchFamily="34" charset="0"/>
               </a:rPr>
-              <a:t>praising</a:t>
+              <a:t>resting</a:t>
             </a:r>
             <a:endParaRPr lang="en-US" sz="4400" dirty="0">
+              <a:solidFill>
+                <a:srgbClr val="00B0F0"/>
+              </a:solidFill>
               <a:latin typeface="Arial Black" pitchFamily="34" charset="0"/>
             </a:endParaRPr>
           </a:p>
@@ -4871,7 +4908,7 @@
               <a:rPr lang="en-US" sz="4400" dirty="0" smtClean="0">
                 <a:latin typeface="Arial Black" pitchFamily="34" charset="0"/>
               </a:rPr>
-              <a:t>King of Kings</a:t>
+              <a:t>King</a:t>
             </a:r>
             <a:endParaRPr lang="en-US" sz="4400" dirty="0">
               <a:latin typeface="Arial Black" pitchFamily="34" charset="0"/>
@@ -4879,6 +4916,102 @@
           </a:p>
         </p:txBody>
       </p:sp>
+    </p:spTree>
+  </p:cSld>
+  <p:clrMapOvr>
+    <a:masterClrMapping/>
+  </p:clrMapOvr>
+  <p:timing>
+    <p:tnLst>
+      <p:par>
+        <p:cTn id="1" dur="indefinite" restart="never" nodeType="tmRoot"/>
+      </p:par>
+    </p:tnLst>
+  </p:timing>
+</p:sld>
+</file>
+
+<file path=ppt/slides/slide14.xml><?xml version="1.0" encoding="utf-8"?>
+<p:sld xmlns:a="http://schemas.openxmlformats.org/drawingml/2006/main" xmlns:r="http://schemas.openxmlformats.org/officeDocument/2006/relationships" xmlns:p="http://schemas.openxmlformats.org/presentationml/2006/main">
+  <p:cSld>
+    <p:spTree>
+      <p:nvGrpSpPr>
+        <p:cNvPr id="1" name=""/>
+        <p:cNvGrpSpPr/>
+        <p:nvPr/>
+      </p:nvGrpSpPr>
+      <p:grpSpPr>
+        <a:xfrm>
+          <a:off x="0" y="0"/>
+          <a:ext cx="0" cy="0"/>
+          <a:chOff x="0" y="0"/>
+          <a:chExt cx="0" cy="0"/>
+        </a:xfrm>
+      </p:grpSpPr>
+      <p:sp>
+        <p:nvSpPr>
+          <p:cNvPr id="2" name="標題 1"/>
+          <p:cNvSpPr>
+            <a:spLocks noGrp="1"/>
+          </p:cNvSpPr>
+          <p:nvPr>
+            <p:ph type="title"/>
+          </p:nvPr>
+        </p:nvSpPr>
+        <p:spPr/>
+        <p:txBody>
+          <a:bodyPr/>
+          <a:lstStyle/>
+          <a:p>
+            <a:endParaRPr lang="zh-TW" altLang="en-US"/>
+          </a:p>
+        </p:txBody>
+      </p:sp>
+      <p:sp>
+        <p:nvSpPr>
+          <p:cNvPr id="3" name="內容版面配置區 2"/>
+          <p:cNvSpPr>
+            <a:spLocks noGrp="1"/>
+          </p:cNvSpPr>
+          <p:nvPr>
+            <p:ph idx="1"/>
+          </p:nvPr>
+        </p:nvSpPr>
+        <p:spPr/>
+        <p:txBody>
+          <a:bodyPr/>
+          <a:lstStyle/>
+          <a:p>
+            <a:endParaRPr lang="zh-TW" altLang="en-US"/>
+          </a:p>
+        </p:txBody>
+      </p:sp>
+      <p:pic>
+        <p:nvPicPr>
+          <p:cNvPr id="1026" name="Picture 2" descr="KhÃ´ng cÃ³ mÃ´ táº£ áº£nh."/>
+          <p:cNvPicPr>
+            <a:picLocks noChangeAspect="1" noChangeArrowheads="1"/>
+          </p:cNvPicPr>
+          <p:nvPr/>
+        </p:nvPicPr>
+        <p:blipFill>
+          <a:blip r:embed="rId2"/>
+          <a:srcRect b="11659"/>
+          <a:stretch>
+            <a:fillRect/>
+          </a:stretch>
+        </p:blipFill>
+        <p:spPr bwMode="auto">
+          <a:xfrm>
+            <a:off x="1828800" y="-1"/>
+            <a:ext cx="5410200" cy="6829269"/>
+          </a:xfrm>
+          <a:prstGeom prst="rect">
+            <a:avLst/>
+          </a:prstGeom>
+          <a:noFill/>
+        </p:spPr>
+      </p:pic>
     </p:spTree>
   </p:cSld>
   <p:clrMapOvr>
@@ -5760,25 +5893,7 @@
                   </a:outerShdw>
                 </a:effectLst>
               </a:rPr>
-              <a:t> </a:t>
-            </a:r>
-            <a:r>
-              <a:rPr lang="en-US" sz="7200" dirty="0" smtClean="0">
-                <a:ln w="18415" cmpd="sng">
-                  <a:solidFill>
-                    <a:srgbClr val="FFFFFF"/>
-                  </a:solidFill>
-                  <a:prstDash val="solid"/>
-                </a:ln>
-                <a:effectLst>
-                  <a:outerShdw blurRad="63500" dir="3600000" algn="tl" rotWithShape="0">
-                    <a:srgbClr val="000000">
-                      <a:alpha val="70000"/>
-                    </a:srgbClr>
-                  </a:outerShdw>
-                </a:effectLst>
-              </a:rPr>
-              <a:t>(nói chung)</a:t>
+              <a:t> (nói chung)</a:t>
             </a:r>
           </a:p>
         </p:txBody>
@@ -5895,7 +6010,64 @@
                   </a:outerShdw>
                 </a:effectLst>
               </a:rPr>
-              <a:t> </a:t>
+              <a:t> cháy</a:t>
+            </a:r>
+            <a:endParaRPr lang="en-US" sz="6600" dirty="0">
+              <a:ln w="18415" cmpd="sng">
+                <a:solidFill>
+                  <a:srgbClr val="FFFFFF"/>
+                </a:solidFill>
+                <a:prstDash val="solid"/>
+              </a:ln>
+              <a:effectLst>
+                <a:outerShdw blurRad="63500" dir="3600000" algn="tl" rotWithShape="0">
+                  <a:srgbClr val="000000">
+                    <a:alpha val="70000"/>
+                  </a:srgbClr>
+                </a:outerShdw>
+              </a:effectLst>
+            </a:endParaRPr>
+          </a:p>
+        </p:txBody>
+      </p:sp>
+      <p:sp>
+        <p:nvSpPr>
+          <p:cNvPr id="7" name="Rectangle 6"/>
+          <p:cNvSpPr/>
+          <p:nvPr/>
+        </p:nvSpPr>
+        <p:spPr>
+          <a:xfrm>
+            <a:off x="0" y="3540204"/>
+            <a:ext cx="4807726" cy="1107996"/>
+          </a:xfrm>
+          <a:prstGeom prst="rect">
+            <a:avLst/>
+          </a:prstGeom>
+        </p:spPr>
+        <p:txBody>
+          <a:bodyPr wrap="none">
+            <a:spAutoFit/>
+          </a:bodyPr>
+          <a:lstStyle/>
+          <a:p>
+            <a:r>
+              <a:rPr lang="en-US" sz="6600" dirty="0" err="1" smtClean="0">
+                <a:ln w="18415" cmpd="sng">
+                  <a:solidFill>
+                    <a:srgbClr val="FFFFFF"/>
+                  </a:solidFill>
+                  <a:prstDash val="solid"/>
+                </a:ln>
+                <a:effectLst>
+                  <a:outerShdw blurRad="63500" dir="3600000" algn="tl" rotWithShape="0">
+                    <a:srgbClr val="000000">
+                      <a:alpha val="70000"/>
+                    </a:srgbClr>
+                  </a:outerShdw>
+                </a:effectLst>
+              </a:rPr>
+              <a:t>cho</a:t>
             </a:r>
             <a:r>
               <a:rPr lang="en-US" sz="6600" dirty="0" smtClean="0">
@@ -5913,7 +6085,7 @@
                   </a:outerShdw>
                 </a:effectLst>
               </a:rPr>
-              <a:t>cháy</a:t>
+              <a:t> đến khi...</a:t>
             </a:r>
             <a:endParaRPr lang="en-US" sz="6600" dirty="0">
               <a:ln w="18415" cmpd="sng">
@@ -5935,14 +6107,14 @@
       </p:sp>
       <p:sp>
         <p:nvSpPr>
-          <p:cNvPr id="7" name="Rectangle 6"/>
+          <p:cNvPr id="8" name="Rectangle 7"/>
           <p:cNvSpPr/>
           <p:nvPr/>
         </p:nvSpPr>
         <p:spPr>
           <a:xfrm>
-            <a:off x="0" y="3540204"/>
-            <a:ext cx="4807726" cy="1107996"/>
+            <a:off x="0" y="4607004"/>
+            <a:ext cx="3659976" cy="1107996"/>
           </a:xfrm>
           <a:prstGeom prst="rect">
             <a:avLst/>
@@ -5970,7 +6142,7 @@
                   </a:outerShdw>
                 </a:effectLst>
               </a:rPr>
-              <a:t>cho</a:t>
+              <a:t>bình</a:t>
             </a:r>
             <a:r>
               <a:rPr lang="en-US" sz="6600" dirty="0" smtClean="0">
@@ -5988,8 +6160,47 @@
                   </a:outerShdw>
                 </a:effectLst>
               </a:rPr>
-              <a:t> </a:t>
-            </a:r>
+              <a:t> minh</a:t>
+            </a:r>
+            <a:endParaRPr lang="en-US" sz="6600" dirty="0">
+              <a:ln w="18415" cmpd="sng">
+                <a:solidFill>
+                  <a:srgbClr val="FFFFFF"/>
+                </a:solidFill>
+                <a:prstDash val="solid"/>
+              </a:ln>
+              <a:effectLst>
+                <a:outerShdw blurRad="63500" dir="3600000" algn="tl" rotWithShape="0">
+                  <a:srgbClr val="000000">
+                    <a:alpha val="70000"/>
+                  </a:srgbClr>
+                </a:outerShdw>
+              </a:effectLst>
+            </a:endParaRPr>
+          </a:p>
+        </p:txBody>
+      </p:sp>
+      <p:sp>
+        <p:nvSpPr>
+          <p:cNvPr id="9" name="Rectangle 8"/>
+          <p:cNvSpPr/>
+          <p:nvPr/>
+        </p:nvSpPr>
+        <p:spPr>
+          <a:xfrm>
+            <a:off x="0" y="5638800"/>
+            <a:ext cx="6650218" cy="1107996"/>
+          </a:xfrm>
+          <a:prstGeom prst="rect">
+            <a:avLst/>
+          </a:prstGeom>
+        </p:spPr>
+        <p:txBody>
+          <a:bodyPr wrap="none">
+            <a:spAutoFit/>
+          </a:bodyPr>
+          <a:lstStyle/>
+          <a:p>
             <a:r>
               <a:rPr lang="en-US" sz="6600" dirty="0" smtClean="0">
                 <a:ln w="18415" cmpd="sng">
@@ -6006,175 +6217,7 @@
                   </a:outerShdw>
                 </a:effectLst>
               </a:rPr>
-              <a:t>đến khi...</a:t>
-            </a:r>
-            <a:endParaRPr lang="en-US" sz="6600" dirty="0">
-              <a:ln w="18415" cmpd="sng">
-                <a:solidFill>
-                  <a:srgbClr val="FFFFFF"/>
-                </a:solidFill>
-                <a:prstDash val="solid"/>
-              </a:ln>
-              <a:effectLst>
-                <a:outerShdw blurRad="63500" dir="3600000" algn="tl" rotWithShape="0">
-                  <a:srgbClr val="000000">
-                    <a:alpha val="70000"/>
-                  </a:srgbClr>
-                </a:outerShdw>
-              </a:effectLst>
-            </a:endParaRPr>
-          </a:p>
-        </p:txBody>
-      </p:sp>
-      <p:sp>
-        <p:nvSpPr>
-          <p:cNvPr id="8" name="Rectangle 7"/>
-          <p:cNvSpPr/>
-          <p:nvPr/>
-        </p:nvSpPr>
-        <p:spPr>
-          <a:xfrm>
-            <a:off x="0" y="4607004"/>
-            <a:ext cx="3659976" cy="1107996"/>
-          </a:xfrm>
-          <a:prstGeom prst="rect">
-            <a:avLst/>
-          </a:prstGeom>
-        </p:spPr>
-        <p:txBody>
-          <a:bodyPr wrap="none">
-            <a:spAutoFit/>
-          </a:bodyPr>
-          <a:lstStyle/>
-          <a:p>
-            <a:r>
-              <a:rPr lang="en-US" sz="6600" dirty="0" err="1" smtClean="0">
-                <a:ln w="18415" cmpd="sng">
-                  <a:solidFill>
-                    <a:srgbClr val="FFFFFF"/>
-                  </a:solidFill>
-                  <a:prstDash val="solid"/>
-                </a:ln>
-                <a:effectLst>
-                  <a:outerShdw blurRad="63500" dir="3600000" algn="tl" rotWithShape="0">
-                    <a:srgbClr val="000000">
-                      <a:alpha val="70000"/>
-                    </a:srgbClr>
-                  </a:outerShdw>
-                </a:effectLst>
-              </a:rPr>
-              <a:t>bình</a:t>
-            </a:r>
-            <a:r>
-              <a:rPr lang="en-US" sz="6600" dirty="0" smtClean="0">
-                <a:ln w="18415" cmpd="sng">
-                  <a:solidFill>
-                    <a:srgbClr val="FFFFFF"/>
-                  </a:solidFill>
-                  <a:prstDash val="solid"/>
-                </a:ln>
-                <a:effectLst>
-                  <a:outerShdw blurRad="63500" dir="3600000" algn="tl" rotWithShape="0">
-                    <a:srgbClr val="000000">
-                      <a:alpha val="70000"/>
-                    </a:srgbClr>
-                  </a:outerShdw>
-                </a:effectLst>
-              </a:rPr>
-              <a:t> </a:t>
-            </a:r>
-            <a:r>
-              <a:rPr lang="en-US" sz="6600" dirty="0" smtClean="0">
-                <a:ln w="18415" cmpd="sng">
-                  <a:solidFill>
-                    <a:srgbClr val="FFFFFF"/>
-                  </a:solidFill>
-                  <a:prstDash val="solid"/>
-                </a:ln>
-                <a:effectLst>
-                  <a:outerShdw blurRad="63500" dir="3600000" algn="tl" rotWithShape="0">
-                    <a:srgbClr val="000000">
-                      <a:alpha val="70000"/>
-                    </a:srgbClr>
-                  </a:outerShdw>
-                </a:effectLst>
-              </a:rPr>
-              <a:t>minh</a:t>
-            </a:r>
-            <a:endParaRPr lang="en-US" sz="6600" dirty="0">
-              <a:ln w="18415" cmpd="sng">
-                <a:solidFill>
-                  <a:srgbClr val="FFFFFF"/>
-                </a:solidFill>
-                <a:prstDash val="solid"/>
-              </a:ln>
-              <a:effectLst>
-                <a:outerShdw blurRad="63500" dir="3600000" algn="tl" rotWithShape="0">
-                  <a:srgbClr val="000000">
-                    <a:alpha val="70000"/>
-                  </a:srgbClr>
-                </a:outerShdw>
-              </a:effectLst>
-            </a:endParaRPr>
-          </a:p>
-        </p:txBody>
-      </p:sp>
-      <p:sp>
-        <p:nvSpPr>
-          <p:cNvPr id="9" name="Rectangle 8"/>
-          <p:cNvSpPr/>
-          <p:nvPr/>
-        </p:nvSpPr>
-        <p:spPr>
-          <a:xfrm>
-            <a:off x="0" y="5638800"/>
-            <a:ext cx="6650218" cy="1107996"/>
-          </a:xfrm>
-          <a:prstGeom prst="rect">
-            <a:avLst/>
-          </a:prstGeom>
-        </p:spPr>
-        <p:txBody>
-          <a:bodyPr wrap="none">
-            <a:spAutoFit/>
-          </a:bodyPr>
-          <a:lstStyle/>
-          <a:p>
-            <a:r>
-              <a:rPr lang="en-US" sz="6600" dirty="0" smtClean="0">
-                <a:ln w="18415" cmpd="sng">
-                  <a:solidFill>
-                    <a:srgbClr val="FFFFFF"/>
-                  </a:solidFill>
-                  <a:prstDash val="solid"/>
-                </a:ln>
-                <a:effectLst>
-                  <a:outerShdw blurRad="63500" dir="3600000" algn="tl" rotWithShape="0">
-                    <a:srgbClr val="000000">
-                      <a:alpha val="70000"/>
-                    </a:srgbClr>
-                  </a:outerShdw>
-                </a:effectLst>
-              </a:rPr>
-              <a:t>ca </a:t>
-            </a:r>
-            <a:r>
-              <a:rPr lang="en-US" sz="6600" dirty="0" smtClean="0">
-                <a:ln w="18415" cmpd="sng">
-                  <a:solidFill>
-                    <a:srgbClr val="FFFFFF"/>
-                  </a:solidFill>
-                  <a:prstDash val="solid"/>
-                </a:ln>
-                <a:effectLst>
-                  <a:outerShdw blurRad="63500" dir="3600000" algn="tl" rotWithShape="0">
-                    <a:srgbClr val="000000">
-                      <a:alpha val="70000"/>
-                    </a:srgbClr>
-                  </a:outerShdw>
-                </a:effectLst>
-              </a:rPr>
-              <a:t>ngợi, khen ngợi </a:t>
+              <a:t>ca ngợi, khen ngợi </a:t>
             </a:r>
             <a:endParaRPr lang="en-US" sz="6600" dirty="0">
               <a:ln w="18415" cmpd="sng">
@@ -6534,28 +6577,7 @@
                   </a:outerShdw>
                 </a:effectLst>
               </a:rPr>
-              <a:t>Oil</a:t>
-            </a:r>
-            <a:r>
-              <a:rPr lang="en-US" sz="6600" dirty="0" smtClean="0">
-                <a:ln w="18415" cmpd="sng">
-                  <a:solidFill>
-                    <a:srgbClr val="FFFFFF"/>
-                  </a:solidFill>
-                  <a:prstDash val="solid"/>
-                </a:ln>
-                <a:solidFill>
-                  <a:srgbClr val="FF0000"/>
-                </a:solidFill>
-                <a:effectLst>
-                  <a:outerShdw blurRad="63500" dir="3600000" algn="tl" rotWithShape="0">
-                    <a:srgbClr val="000000">
-                      <a:alpha val="70000"/>
-                    </a:srgbClr>
-                  </a:outerShdw>
-                </a:effectLst>
-              </a:rPr>
-              <a:t>:</a:t>
+              <a:t>Oil:</a:t>
             </a:r>
             <a:endParaRPr lang="en-US" sz="7200" dirty="0" smtClean="0">
               <a:ln w="18415" cmpd="sng">
@@ -6615,28 +6637,7 @@
                   </a:outerShdw>
                 </a:effectLst>
               </a:rPr>
-              <a:t>Lamp</a:t>
-            </a:r>
-            <a:r>
-              <a:rPr lang="en-US" sz="6600" dirty="0" smtClean="0">
-                <a:ln w="18415" cmpd="sng">
-                  <a:solidFill>
-                    <a:srgbClr val="FFFFFF"/>
-                  </a:solidFill>
-                  <a:prstDash val="solid"/>
-                </a:ln>
-                <a:solidFill>
-                  <a:srgbClr val="FF0000"/>
-                </a:solidFill>
-                <a:effectLst>
-                  <a:outerShdw blurRad="63500" dir="3600000" algn="tl" rotWithShape="0">
-                    <a:srgbClr val="000000">
-                      <a:alpha val="70000"/>
-                    </a:srgbClr>
-                  </a:outerShdw>
-                </a:effectLst>
-              </a:rPr>
-              <a:t>:</a:t>
+              <a:t>Lamp:</a:t>
             </a:r>
             <a:endParaRPr lang="en-US" sz="6600" dirty="0">
               <a:ln w="18415" cmpd="sng">
@@ -6696,28 +6697,7 @@
                   </a:outerShdw>
                 </a:effectLst>
               </a:rPr>
-              <a:t>Burn</a:t>
-            </a:r>
-            <a:r>
-              <a:rPr lang="en-US" sz="6600" dirty="0" smtClean="0">
-                <a:ln w="18415" cmpd="sng">
-                  <a:solidFill>
-                    <a:srgbClr val="FFFFFF"/>
-                  </a:solidFill>
-                  <a:prstDash val="solid"/>
-                </a:ln>
-                <a:solidFill>
-                  <a:srgbClr val="FF0000"/>
-                </a:solidFill>
-                <a:effectLst>
-                  <a:outerShdw blurRad="63500" dir="3600000" algn="tl" rotWithShape="0">
-                    <a:srgbClr val="000000">
-                      <a:alpha val="70000"/>
-                    </a:srgbClr>
-                  </a:outerShdw>
-                </a:effectLst>
-              </a:rPr>
-              <a:t>:</a:t>
+              <a:t>Burn:</a:t>
             </a:r>
             <a:endParaRPr lang="en-US" sz="6600" dirty="0">
               <a:ln w="18415" cmpd="sng">
@@ -6777,28 +6757,7 @@
                   </a:outerShdw>
                 </a:effectLst>
               </a:rPr>
-              <a:t>Til = Until</a:t>
-            </a:r>
-            <a:r>
-              <a:rPr lang="en-US" sz="6600" dirty="0" smtClean="0">
-                <a:ln w="18415" cmpd="sng">
-                  <a:solidFill>
-                    <a:srgbClr val="FFFFFF"/>
-                  </a:solidFill>
-                  <a:prstDash val="solid"/>
-                </a:ln>
-                <a:solidFill>
-                  <a:srgbClr val="FF0000"/>
-                </a:solidFill>
-                <a:effectLst>
-                  <a:outerShdw blurRad="63500" dir="3600000" algn="tl" rotWithShape="0">
-                    <a:srgbClr val="000000">
-                      <a:alpha val="70000"/>
-                    </a:srgbClr>
-                  </a:outerShdw>
-                </a:effectLst>
-              </a:rPr>
-              <a:t>:</a:t>
+              <a:t>Til = Until:</a:t>
             </a:r>
             <a:endParaRPr lang="en-US" sz="6600" dirty="0">
               <a:ln w="18415" cmpd="sng">
@@ -6858,28 +6817,7 @@
                   </a:outerShdw>
                 </a:effectLst>
               </a:rPr>
-              <a:t>Break of day</a:t>
-            </a:r>
-            <a:r>
-              <a:rPr lang="en-US" sz="6600" dirty="0" smtClean="0">
-                <a:ln w="18415" cmpd="sng">
-                  <a:solidFill>
-                    <a:srgbClr val="FFFFFF"/>
-                  </a:solidFill>
-                  <a:prstDash val="solid"/>
-                </a:ln>
-                <a:solidFill>
-                  <a:srgbClr val="FF0000"/>
-                </a:solidFill>
-                <a:effectLst>
-                  <a:outerShdw blurRad="63500" dir="3600000" algn="tl" rotWithShape="0">
-                    <a:srgbClr val="000000">
-                      <a:alpha val="70000"/>
-                    </a:srgbClr>
-                  </a:outerShdw>
-                </a:effectLst>
-              </a:rPr>
-              <a:t>:</a:t>
+              <a:t>Break of day:</a:t>
             </a:r>
             <a:endParaRPr lang="en-US" sz="6600" dirty="0">
               <a:ln w="18415" cmpd="sng">
@@ -6939,28 +6877,7 @@
                   </a:outerShdw>
                 </a:effectLst>
               </a:rPr>
-              <a:t>Praise</a:t>
-            </a:r>
-            <a:r>
-              <a:rPr lang="en-US" sz="6600" dirty="0" smtClean="0">
-                <a:ln w="18415" cmpd="sng">
-                  <a:solidFill>
-                    <a:srgbClr val="FFFFFF"/>
-                  </a:solidFill>
-                  <a:prstDash val="solid"/>
-                </a:ln>
-                <a:solidFill>
-                  <a:srgbClr val="FF0000"/>
-                </a:solidFill>
-                <a:effectLst>
-                  <a:outerShdw blurRad="63500" dir="3600000" algn="tl" rotWithShape="0">
-                    <a:srgbClr val="000000">
-                      <a:alpha val="70000"/>
-                    </a:srgbClr>
-                  </a:outerShdw>
-                </a:effectLst>
-              </a:rPr>
-              <a:t>:</a:t>
+              <a:t>Praise:</a:t>
             </a:r>
             <a:endParaRPr lang="en-US" sz="6600" dirty="0">
               <a:ln w="18415" cmpd="sng">
@@ -7052,28 +6969,7 @@
                   </a:outerShdw>
                 </a:effectLst>
               </a:rPr>
-              <a:t>Peace</a:t>
-            </a:r>
-            <a:r>
-              <a:rPr lang="en-US" sz="6600" dirty="0" smtClean="0">
-                <a:ln w="18415" cmpd="sng">
-                  <a:solidFill>
-                    <a:srgbClr val="FFFFFF"/>
-                  </a:solidFill>
-                  <a:prstDash val="solid"/>
-                </a:ln>
-                <a:solidFill>
-                  <a:srgbClr val="FF0000"/>
-                </a:solidFill>
-                <a:effectLst>
-                  <a:outerShdw blurRad="63500" dir="3600000" algn="tl" rotWithShape="0">
-                    <a:srgbClr val="000000">
-                      <a:alpha val="70000"/>
-                    </a:srgbClr>
-                  </a:outerShdw>
-                </a:effectLst>
-              </a:rPr>
-              <a:t>:</a:t>
+              <a:t>Peace:</a:t>
             </a:r>
             <a:endParaRPr lang="en-US" sz="6600" dirty="0">
               <a:ln w="18415" cmpd="sng">
@@ -7133,28 +7029,7 @@
                   </a:outerShdw>
                 </a:effectLst>
               </a:rPr>
-              <a:t>Rest</a:t>
-            </a:r>
-            <a:r>
-              <a:rPr lang="en-US" sz="6600" dirty="0" smtClean="0">
-                <a:ln w="18415" cmpd="sng">
-                  <a:solidFill>
-                    <a:srgbClr val="FFFFFF"/>
-                  </a:solidFill>
-                  <a:prstDash val="solid"/>
-                </a:ln>
-                <a:solidFill>
-                  <a:srgbClr val="FF0000"/>
-                </a:solidFill>
-                <a:effectLst>
-                  <a:outerShdw blurRad="63500" dir="3600000" algn="tl" rotWithShape="0">
-                    <a:srgbClr val="000000">
-                      <a:alpha val="70000"/>
-                    </a:srgbClr>
-                  </a:outerShdw>
-                </a:effectLst>
-              </a:rPr>
-              <a:t>:</a:t>
+              <a:t>Rest:</a:t>
             </a:r>
             <a:endParaRPr lang="en-US" sz="6600" dirty="0">
               <a:ln w="18415" cmpd="sng">
@@ -7340,7 +7215,16 @@
               <a:rPr lang="en-US" sz="4400" dirty="0">
                 <a:latin typeface="Arial Black" pitchFamily="34" charset="0"/>
               </a:rPr>
-              <a:t>me burning</a:t>
+              <a:t>me </a:t>
+            </a:r>
+            <a:r>
+              <a:rPr lang="en-US" sz="4400" dirty="0">
+                <a:solidFill>
+                  <a:srgbClr val="FF0000"/>
+                </a:solidFill>
+                <a:latin typeface="Arial Black" pitchFamily="34" charset="0"/>
+              </a:rPr>
+              <a:t>burning</a:t>
             </a:r>
           </a:p>
         </p:txBody>
@@ -7438,7 +7322,16 @@
               <a:rPr lang="en-US" sz="4400" dirty="0">
                 <a:latin typeface="Arial Black" pitchFamily="34" charset="0"/>
               </a:rPr>
-              <a:t>me burning</a:t>
+              <a:t>me </a:t>
+            </a:r>
+            <a:r>
+              <a:rPr lang="en-US" sz="4400" dirty="0">
+                <a:solidFill>
+                  <a:srgbClr val="FF0000"/>
+                </a:solidFill>
+                <a:latin typeface="Arial Black" pitchFamily="34" charset="0"/>
+              </a:rPr>
+              <a:t>burning</a:t>
             </a:r>
           </a:p>
         </p:txBody>
@@ -7757,7 +7650,7 @@
               <a:rPr lang="en-US" sz="4400" dirty="0" smtClean="0">
                 <a:latin typeface="Arial Black" pitchFamily="34" charset="0"/>
               </a:rPr>
-              <a:t>King of Kings</a:t>
+              <a:t>King</a:t>
             </a:r>
             <a:endParaRPr lang="en-US" sz="4400" dirty="0">
               <a:latin typeface="Arial Black" pitchFamily="34" charset="0"/>
@@ -7781,7 +7674,7 @@
 </file>
 
 <file path=ppt/theme/theme1.xml><?xml version="1.0" encoding="utf-8"?>
-<a:theme xmlns:a="http://schemas.openxmlformats.org/drawingml/2006/main" name="Office Theme">
+<a:theme xmlns:a="http://schemas.openxmlformats.org/drawingml/2006/main" name="佈景主題1">
   <a:themeElements>
     <a:clrScheme name="Office">
       <a:dk1>
